--- a/01_FoundationProjects/CFL13_Hybrid_Communication_IR_NRF/CFL13_Hybrid_Communication_IR_NRF.pptx
+++ b/01_FoundationProjects/CFL13_Hybrid_Communication_IR_NRF/CFL13_Hybrid_Communication_IR_NRF.pptx
@@ -5589,6 +5589,42 @@
           </a:p>
         </p:txBody>
       </p:sp>
+      <p:pic>
+        <p:nvPicPr>
+          <p:cNvPr id="7" name="Picture 6">
+            <a:extLst>
+              <a:ext uri="{FF2B5EF4-FFF2-40B4-BE49-F238E27FC236}">
+                <a16:creationId xmlns:a16="http://schemas.microsoft.com/office/drawing/2014/main" id="{25FDB0D3-78AC-0392-36EE-B70C8DCB4AB5}"/>
+              </a:ext>
+            </a:extLst>
+          </p:cNvPr>
+          <p:cNvPicPr>
+            <a:picLocks noChangeAspect="1"/>
+          </p:cNvPicPr>
+          <p:nvPr/>
+        </p:nvPicPr>
+        <p:blipFill>
+          <a:blip r:embed="rId4" cstate="print">
+            <a:extLst>
+              <a:ext uri="{28A0092B-C50C-407E-A947-70E740481C1C}">
+                <a14:useLocalDpi xmlns:a14="http://schemas.microsoft.com/office/drawing/2010/main" val="0"/>
+              </a:ext>
+            </a:extLst>
+          </a:blip>
+          <a:stretch>
+            <a:fillRect/>
+          </a:stretch>
+        </p:blipFill>
+        <p:spPr>
+          <a:xfrm>
+            <a:off x="9004852" y="1"/>
+            <a:ext cx="3125372" cy="842386"/>
+          </a:xfrm>
+          <a:prstGeom prst="rect">
+            <a:avLst/>
+          </a:prstGeom>
+        </p:spPr>
+      </p:pic>
     </p:spTree>
   </p:cSld>
   <p:clrMapOvr>
@@ -6339,6 +6375,42 @@
           </a:prstGeom>
         </p:spPr>
       </p:pic>
+      <p:pic>
+        <p:nvPicPr>
+          <p:cNvPr id="3" name="Picture 2">
+            <a:extLst>
+              <a:ext uri="{FF2B5EF4-FFF2-40B4-BE49-F238E27FC236}">
+                <a16:creationId xmlns:a16="http://schemas.microsoft.com/office/drawing/2014/main" id="{F59B9AB5-72D5-F8A5-7A08-86D9A26CA5FA}"/>
+              </a:ext>
+            </a:extLst>
+          </p:cNvPr>
+          <p:cNvPicPr>
+            <a:picLocks noChangeAspect="1"/>
+          </p:cNvPicPr>
+          <p:nvPr/>
+        </p:nvPicPr>
+        <p:blipFill>
+          <a:blip r:embed="rId3" cstate="print">
+            <a:extLst>
+              <a:ext uri="{28A0092B-C50C-407E-A947-70E740481C1C}">
+                <a14:useLocalDpi xmlns:a14="http://schemas.microsoft.com/office/drawing/2010/main" val="0"/>
+              </a:ext>
+            </a:extLst>
+          </a:blip>
+          <a:stretch>
+            <a:fillRect/>
+          </a:stretch>
+        </p:blipFill>
+        <p:spPr>
+          <a:xfrm>
+            <a:off x="9004852" y="1"/>
+            <a:ext cx="3125372" cy="842386"/>
+          </a:xfrm>
+          <a:prstGeom prst="rect">
+            <a:avLst/>
+          </a:prstGeom>
+        </p:spPr>
+      </p:pic>
     </p:spTree>
     <p:extLst>
       <p:ext uri="{BB962C8B-B14F-4D97-AF65-F5344CB8AC3E}">
@@ -6627,6 +6699,42 @@
           </a:fontRef>
         </p:style>
       </p:cxnSp>
+      <p:pic>
+        <p:nvPicPr>
+          <p:cNvPr id="3" name="Picture 2">
+            <a:extLst>
+              <a:ext uri="{FF2B5EF4-FFF2-40B4-BE49-F238E27FC236}">
+                <a16:creationId xmlns:a16="http://schemas.microsoft.com/office/drawing/2014/main" id="{7A864B19-6430-E2F3-BE44-B2AFD6025D3A}"/>
+              </a:ext>
+            </a:extLst>
+          </p:cNvPr>
+          <p:cNvPicPr>
+            <a:picLocks noChangeAspect="1"/>
+          </p:cNvPicPr>
+          <p:nvPr/>
+        </p:nvPicPr>
+        <p:blipFill>
+          <a:blip r:embed="rId4" cstate="print">
+            <a:extLst>
+              <a:ext uri="{28A0092B-C50C-407E-A947-70E740481C1C}">
+                <a14:useLocalDpi xmlns:a14="http://schemas.microsoft.com/office/drawing/2010/main" val="0"/>
+              </a:ext>
+            </a:extLst>
+          </a:blip>
+          <a:stretch>
+            <a:fillRect/>
+          </a:stretch>
+        </p:blipFill>
+        <p:spPr>
+          <a:xfrm>
+            <a:off x="9004852" y="1"/>
+            <a:ext cx="3125372" cy="842386"/>
+          </a:xfrm>
+          <a:prstGeom prst="rect">
+            <a:avLst/>
+          </a:prstGeom>
+        </p:spPr>
+      </p:pic>
     </p:spTree>
     <p:extLst>
       <p:ext uri="{BB962C8B-B14F-4D97-AF65-F5344CB8AC3E}">
@@ -6982,7 +7090,7 @@
         </p:nvSpPr>
         <p:spPr>
           <a:xfrm>
-            <a:off x="6781800" y="1969968"/>
+            <a:off x="6779345" y="1726127"/>
             <a:ext cx="4446639" cy="1600438"/>
           </a:xfrm>
           <a:prstGeom prst="rect">
@@ -7065,7 +7173,7 @@
         </p:nvSpPr>
         <p:spPr>
           <a:xfrm>
-            <a:off x="6779344" y="3573935"/>
+            <a:off x="6779344" y="3326565"/>
             <a:ext cx="4446640" cy="1169551"/>
           </a:xfrm>
           <a:prstGeom prst="rect">
@@ -7136,13 +7244,18 @@
         </p:nvSpPr>
         <p:spPr bwMode="auto">
           <a:xfrm>
-            <a:off x="5551150" y="5513767"/>
-            <a:ext cx="5146467" cy="923330"/>
+            <a:off x="5904992" y="4549676"/>
+            <a:ext cx="5146467" cy="2308324"/>
           </a:xfrm>
           <a:prstGeom prst="rect">
             <a:avLst/>
           </a:prstGeom>
           <a:noFill/>
+          <a:ln w="28575">
+            <a:solidFill>
+              <a:schemeClr val="accent1"/>
+            </a:solidFill>
+          </a:ln>
         </p:spPr>
         <p:txBody>
           <a:bodyPr wrap="square">
@@ -7248,7 +7361,7 @@
               <a:defRPr/>
             </a:pPr>
             <a:r>
-              <a:rPr lang="en-GB" b="1" dirty="0"/>
+              <a:rPr lang="en-GB" sz="1200" b="1" dirty="0"/>
               <a:t>Code for Lesson CFL13 (CFL13_Hybrid_Communication_IR_NRF_Tx.ino)</a:t>
             </a:r>
           </a:p>
@@ -7257,10 +7370,45 @@
               <a:defRPr/>
             </a:pPr>
             <a:r>
-              <a:rPr lang="en-US" b="1" dirty="0"/>
+              <a:rPr lang="en-US" sz="1200" b="1" dirty="0"/>
               <a:t>(CFL13_Hybrid_Communication_IR_NRF_Rx.ino)</a:t>
             </a:r>
-            <a:endParaRPr lang="en-GB" b="1" dirty="0"/>
+          </a:p>
+          <a:p>
+            <a:pPr>
+              <a:defRPr/>
+            </a:pPr>
+            <a:r>
+              <a:rPr lang="en-GB" sz="1200" b="1" dirty="0">
+                <a:hlinkClick r:id="rId2"/>
+              </a:rPr>
+              <a:t>https://github.com/info-zas/zas-robotics-communications/blob/main/01_FoundationProjects/CFL13_Hybrid_Communication_IR_NRF/CFL13_Hybrid_Communication_IR_NRF_Tx/CFL13_Hybrid_Communication_IR_NRF_Tx.ino</a:t>
+            </a:r>
+            <a:endParaRPr lang="en-GB" sz="1200" b="1" dirty="0"/>
+          </a:p>
+          <a:p>
+            <a:pPr>
+              <a:defRPr/>
+            </a:pPr>
+            <a:endParaRPr lang="en-GB" sz="1200" b="1" dirty="0"/>
+          </a:p>
+          <a:p>
+            <a:pPr>
+              <a:defRPr/>
+            </a:pPr>
+            <a:r>
+              <a:rPr lang="en-GB" sz="1200" b="1" dirty="0">
+                <a:hlinkClick r:id="rId3"/>
+              </a:rPr>
+              <a:t>https://github.com/info-zas/zas-robotics-communications/blob/main/01_FoundationProjects/CFL13_Hybrid_Communication_IR_NRF/CFL13_Hybrid_Communication_IR_NRF_Rx/CFL13_Hybrid_Communication_IR_NRF_Rx.ino</a:t>
+            </a:r>
+            <a:endParaRPr lang="en-GB" sz="1200" b="1" dirty="0"/>
+          </a:p>
+          <a:p>
+            <a:pPr>
+              <a:defRPr/>
+            </a:pPr>
+            <a:endParaRPr lang="en-GB" sz="1200" b="1" dirty="0"/>
           </a:p>
         </p:txBody>
       </p:sp>
@@ -7313,7 +7461,7 @@
         </p:nvSpPr>
         <p:spPr>
           <a:xfrm>
-            <a:off x="8222973" y="1624779"/>
+            <a:off x="8222972" y="1414206"/>
             <a:ext cx="998287" cy="369332"/>
           </a:xfrm>
           <a:prstGeom prst="rect">
@@ -7380,6 +7528,42 @@
           </a:p>
         </p:txBody>
       </p:sp>
+      <p:pic>
+        <p:nvPicPr>
+          <p:cNvPr id="2" name="Picture 1">
+            <a:extLst>
+              <a:ext uri="{FF2B5EF4-FFF2-40B4-BE49-F238E27FC236}">
+                <a16:creationId xmlns:a16="http://schemas.microsoft.com/office/drawing/2014/main" id="{2580FACA-069F-B0AA-3B26-CBA3AF8CB708}"/>
+              </a:ext>
+            </a:extLst>
+          </p:cNvPr>
+          <p:cNvPicPr>
+            <a:picLocks noChangeAspect="1"/>
+          </p:cNvPicPr>
+          <p:nvPr/>
+        </p:nvPicPr>
+        <p:blipFill>
+          <a:blip r:embed="rId4" cstate="print">
+            <a:extLst>
+              <a:ext uri="{28A0092B-C50C-407E-A947-70E740481C1C}">
+                <a14:useLocalDpi xmlns:a14="http://schemas.microsoft.com/office/drawing/2010/main" val="0"/>
+              </a:ext>
+            </a:extLst>
+          </a:blip>
+          <a:stretch>
+            <a:fillRect/>
+          </a:stretch>
+        </p:blipFill>
+        <p:spPr>
+          <a:xfrm>
+            <a:off x="9004852" y="1"/>
+            <a:ext cx="3125372" cy="842386"/>
+          </a:xfrm>
+          <a:prstGeom prst="rect">
+            <a:avLst/>
+          </a:prstGeom>
+        </p:spPr>
+      </p:pic>
     </p:spTree>
     <p:extLst>
       <p:ext uri="{BB962C8B-B14F-4D97-AF65-F5344CB8AC3E}">
